--- a/MineForest.pptx
+++ b/MineForest.pptx
@@ -10,6 +10,7 @@
     <p:sldId id="260" r:id="rId4"/>
     <p:sldId id="258" r:id="rId5"/>
     <p:sldId id="259" r:id="rId6"/>
+    <p:sldId id="262" r:id="rId7"/>
   </p:sldIdLst>
   <p:sldSz cx="12192000" cy="6858000"/>
   <p:notesSz cx="6858000" cy="9144000"/>
@@ -108,6 +109,11 @@
       </a:defRPr>
     </a:lvl9pPr>
   </p:defaultTextStyle>
+  <p:extLst>
+    <p:ext uri="{EFAFB233-063F-42B5-8137-9DF3F51BA10A}">
+      <p15:sldGuideLst xmlns:p15="http://schemas.microsoft.com/office/powerpoint/2012/main"/>
+    </p:ext>
+  </p:extLst>
 </p:presentation>
 </file>
 
@@ -5371,8 +5377,184 @@
         </p:nvSpPr>
         <p:spPr>
           <a:xfrm>
-            <a:off x="1219201" y="1182757"/>
-            <a:ext cx="10363200" cy="4981312"/>
+            <a:off x="976544" y="1182757"/>
+            <a:ext cx="10605857" cy="4981312"/>
+          </a:xfrm>
+        </p:spPr>
+        <p:txBody>
+          <a:bodyPr/>
+          <a:lstStyle/>
+          <a:p>
+            <a:r>
+              <a:rPr lang="en-US" dirty="0"/>
+              <a:t>Grass Flowers Pack Free </a:t>
+            </a:r>
+            <a:r>
+              <a:rPr lang="en-US" sz="2000" dirty="0">
+                <a:hlinkClick r:id="rId2"/>
+              </a:rPr>
+              <a:t>https://assetstore.unity.com/packages/2d/textures-materials/nature/grass-flowers-pack-free-138810</a:t>
+            </a:r>
+            <a:endParaRPr lang="en-US" sz="2000" dirty="0"/>
+          </a:p>
+          <a:p>
+            <a:r>
+              <a:rPr lang="en-US" dirty="0"/>
+              <a:t>Rocks </a:t>
+            </a:r>
+            <a:r>
+              <a:rPr lang="en-US" sz="2000" dirty="0">
+                <a:hlinkClick r:id="rId3"/>
+              </a:rPr>
+              <a:t>https://assetstore.unity.com/packages/3d/props/exterior/rocks-604</a:t>
+            </a:r>
+            <a:endParaRPr lang="en-US" sz="2000" dirty="0"/>
+          </a:p>
+          <a:p>
+            <a:r>
+              <a:rPr lang="en-US" dirty="0"/>
+              <a:t>Stylized </a:t>
+            </a:r>
+            <a:r>
+              <a:rPr lang="en-US" dirty="0" err="1"/>
+              <a:t>Handpainted</a:t>
+            </a:r>
+            <a:r>
+              <a:rPr lang="en-US" dirty="0"/>
+              <a:t> dungeon</a:t>
+            </a:r>
+          </a:p>
+          <a:p>
+            <a:r>
+              <a:rPr lang="en-US" dirty="0"/>
+              <a:t>Gems Ultimate Pack </a:t>
+            </a:r>
+            <a:r>
+              <a:rPr lang="en-US" sz="2000" dirty="0">
+                <a:hlinkClick r:id="rId4"/>
+              </a:rPr>
+              <a:t>https://assetstore.unity.com/packages/3d/props/simple-gems-ultimate-animated-customizable-pack-73764</a:t>
+            </a:r>
+            <a:endParaRPr lang="en-US" sz="2000" dirty="0"/>
+          </a:p>
+          <a:p>
+            <a:r>
+              <a:rPr lang="en-US" dirty="0"/>
+              <a:t>Wooden Products</a:t>
+            </a:r>
+          </a:p>
+          <a:p>
+            <a:endParaRPr lang="en-US" sz="2000" dirty="0"/>
+          </a:p>
+          <a:p>
+            <a:endParaRPr lang="en-US" sz="2000" dirty="0"/>
+          </a:p>
+          <a:p>
+            <a:endParaRPr lang="en-US" sz="2000" dirty="0"/>
+          </a:p>
+          <a:p>
+            <a:endParaRPr lang="en-US" dirty="0"/>
+          </a:p>
+          <a:p>
+            <a:endParaRPr lang="en-US" dirty="0"/>
+          </a:p>
+        </p:txBody>
+      </p:sp>
+    </p:spTree>
+    <p:extLst>
+      <p:ext uri="{BB962C8B-B14F-4D97-AF65-F5344CB8AC3E}">
+        <p14:creationId xmlns:p14="http://schemas.microsoft.com/office/powerpoint/2010/main" val="2072016061"/>
+      </p:ext>
+    </p:extLst>
+  </p:cSld>
+  <p:clrMapOvr>
+    <a:masterClrMapping/>
+  </p:clrMapOvr>
+  <mc:AlternateContent xmlns:mc="http://schemas.openxmlformats.org/markup-compatibility/2006" xmlns:p14="http://schemas.microsoft.com/office/powerpoint/2010/main">
+    <mc:Choice Requires="p14">
+      <p:transition spd="med" p14:dur="700">
+        <p:fade/>
+      </p:transition>
+    </mc:Choice>
+    <mc:Fallback xmlns="">
+      <p:transition spd="med">
+        <p:fade/>
+      </p:transition>
+    </mc:Fallback>
+  </mc:AlternateContent>
+</p:sld>
+</file>
+
+<file path=ppt/slides/slide6.xml><?xml version="1.0" encoding="utf-8"?>
+<p:sld xmlns:a="http://schemas.openxmlformats.org/drawingml/2006/main" xmlns:r="http://schemas.openxmlformats.org/officeDocument/2006/relationships" xmlns:p="http://schemas.openxmlformats.org/presentationml/2006/main">
+  <p:cSld>
+    <p:spTree>
+      <p:nvGrpSpPr>
+        <p:cNvPr id="1" name=""/>
+        <p:cNvGrpSpPr/>
+        <p:nvPr/>
+      </p:nvGrpSpPr>
+      <p:grpSpPr>
+        <a:xfrm>
+          <a:off x="0" y="0"/>
+          <a:ext cx="0" cy="0"/>
+          <a:chOff x="0" y="0"/>
+          <a:chExt cx="0" cy="0"/>
+        </a:xfrm>
+      </p:grpSpPr>
+      <p:sp>
+        <p:nvSpPr>
+          <p:cNvPr id="2" name="Title 1">
+            <a:extLst>
+              <a:ext uri="{FF2B5EF4-FFF2-40B4-BE49-F238E27FC236}">
+                <a16:creationId xmlns:a16="http://schemas.microsoft.com/office/drawing/2014/main" id="{C65E12FE-7A37-4806-B5DF-CA1AD743F389}"/>
+              </a:ext>
+            </a:extLst>
+          </p:cNvPr>
+          <p:cNvSpPr>
+            <a:spLocks noGrp="1"/>
+          </p:cNvSpPr>
+          <p:nvPr>
+            <p:ph type="title"/>
+          </p:nvPr>
+        </p:nvSpPr>
+        <p:spPr>
+          <a:xfrm>
+            <a:off x="838200" y="500062"/>
+            <a:ext cx="10515600" cy="682695"/>
+          </a:xfrm>
+        </p:spPr>
+        <p:txBody>
+          <a:bodyPr/>
+          <a:lstStyle/>
+          <a:p>
+            <a:r>
+              <a:rPr lang="en-US" dirty="0"/>
+              <a:t>Assets</a:t>
+            </a:r>
+          </a:p>
+        </p:txBody>
+      </p:sp>
+      <p:sp>
+        <p:nvSpPr>
+          <p:cNvPr id="3" name="Content Placeholder 2">
+            <a:extLst>
+              <a:ext uri="{FF2B5EF4-FFF2-40B4-BE49-F238E27FC236}">
+                <a16:creationId xmlns:a16="http://schemas.microsoft.com/office/drawing/2014/main" id="{3E5E66D8-AEF6-4416-A793-F219503B1624}"/>
+              </a:ext>
+            </a:extLst>
+          </p:cNvPr>
+          <p:cNvSpPr>
+            <a:spLocks noGrp="1"/>
+          </p:cNvSpPr>
+          <p:nvPr>
+            <p:ph idx="1"/>
+          </p:nvPr>
+        </p:nvSpPr>
+        <p:spPr>
+          <a:xfrm>
+            <a:off x="976544" y="1182757"/>
+            <a:ext cx="10605857" cy="4981312"/>
           </a:xfrm>
         </p:spPr>
         <p:txBody>
@@ -5434,15 +5616,48 @@
               <a:rPr lang="en-US" sz="2000" dirty="0">
                 <a:hlinkClick r:id="rId5"/>
               </a:rPr>
-              <a:t>https://assetstore.unity.com/packages/3d</a:t>
-            </a:r>
-            <a:r>
-              <a:rPr lang="en-US" sz="2000">
-                <a:hlinkClick r:id="rId5"/>
+              <a:t>https://assetstore.unity.com/packages/3d/fps-grenade-model-textures-63667</a:t>
+            </a:r>
+            <a:endParaRPr lang="en-US" sz="2000" dirty="0"/>
+          </a:p>
+          <a:p>
+            <a:r>
+              <a:rPr lang="en-US" dirty="0" err="1"/>
+              <a:t>AllSky</a:t>
+            </a:r>
+            <a:r>
+              <a:rPr lang="en-US" dirty="0"/>
+              <a:t> Free - 10 Sky / Skybox Set </a:t>
+            </a:r>
+            <a:r>
+              <a:rPr lang="en-US" sz="2000" dirty="0">
+                <a:hlinkClick r:id="rId6"/>
               </a:rPr>
-              <a:t>/fps-grenade-model-textures-63667</a:t>
-            </a:r>
-            <a:endParaRPr lang="en-US" sz="2000"/>
+              <a:t>https://assetstore.unity.com/packages/2d/textures-materials/sky/allsky-free-10-sky-skybox-set-146014</a:t>
+            </a:r>
+            <a:endParaRPr lang="en-US" sz="2000" dirty="0"/>
+          </a:p>
+          <a:p>
+            <a:r>
+              <a:rPr lang="en-US" dirty="0"/>
+              <a:t>Dream Forest Tree </a:t>
+            </a:r>
+            <a:r>
+              <a:rPr lang="en-US" sz="2000" dirty="0">
+                <a:hlinkClick r:id="rId7"/>
+              </a:rPr>
+              <a:t>https://assetstore.unity.com/packages/3d/vegetation/trees/dream-forest-tree-105297</a:t>
+            </a:r>
+            <a:endParaRPr lang="en-US" sz="2000" dirty="0"/>
+          </a:p>
+          <a:p>
+            <a:endParaRPr lang="en-US" sz="2000" dirty="0"/>
+          </a:p>
+          <a:p>
+            <a:endParaRPr lang="en-US" sz="2000" dirty="0"/>
+          </a:p>
+          <a:p>
+            <a:endParaRPr lang="en-US" sz="2000" dirty="0"/>
           </a:p>
           <a:p>
             <a:endParaRPr lang="en-US" sz="2000" dirty="0"/>
@@ -5458,7 +5673,7 @@
     </p:spTree>
     <p:extLst>
       <p:ext uri="{BB962C8B-B14F-4D97-AF65-F5344CB8AC3E}">
-        <p14:creationId xmlns:p14="http://schemas.microsoft.com/office/powerpoint/2010/main" val="2072016061"/>
+        <p14:creationId xmlns:p14="http://schemas.microsoft.com/office/powerpoint/2010/main" val="2900100263"/>
       </p:ext>
     </p:extLst>
   </p:cSld>

--- a/MineForest.pptx
+++ b/MineForest.pptx
@@ -9,8 +9,8 @@
     <p:sldId id="257" r:id="rId3"/>
     <p:sldId id="260" r:id="rId4"/>
     <p:sldId id="258" r:id="rId5"/>
-    <p:sldId id="259" r:id="rId6"/>
-    <p:sldId id="262" r:id="rId7"/>
+    <p:sldId id="262" r:id="rId6"/>
+    <p:sldId id="259" r:id="rId7"/>
   </p:sldIdLst>
   <p:sldSz cx="12192000" cy="6858000"/>
   <p:notesSz cx="6858000" cy="9144000"/>
@@ -5387,61 +5387,95 @@
           <a:p>
             <a:r>
               <a:rPr lang="en-US" dirty="0"/>
-              <a:t>Grass Flowers Pack Free </a:t>
+              <a:t>Sci-Fi Weapons </a:t>
             </a:r>
             <a:r>
               <a:rPr lang="en-US" sz="2000" dirty="0">
                 <a:hlinkClick r:id="rId2"/>
               </a:rPr>
-              <a:t>https://assetstore.unity.com/packages/2d/textures-materials/nature/grass-flowers-pack-free-138810</a:t>
+              <a:t>https://devassets.com/assets/sci-fi-weapons/</a:t>
             </a:r>
             <a:endParaRPr lang="en-US" sz="2000" dirty="0"/>
           </a:p>
           <a:p>
             <a:r>
               <a:rPr lang="en-US" dirty="0"/>
-              <a:t>Rocks </a:t>
+              <a:t>Unity Particle Pack </a:t>
             </a:r>
             <a:r>
               <a:rPr lang="en-US" sz="2000" dirty="0">
                 <a:hlinkClick r:id="rId3"/>
               </a:rPr>
-              <a:t>https://assetstore.unity.com/packages/3d/props/exterior/rocks-604</a:t>
+              <a:t>https://assetstore.unity.com/packages/essentials/asset-packs/unity-particle-pack-5-x-73777</a:t>
             </a:r>
             <a:endParaRPr lang="en-US" sz="2000" dirty="0"/>
           </a:p>
           <a:p>
             <a:r>
               <a:rPr lang="en-US" dirty="0"/>
-              <a:t>Stylized </a:t>
+              <a:t>War </a:t>
             </a:r>
             <a:r>
               <a:rPr lang="en-US" dirty="0" err="1"/>
-              <a:t>Handpainted</a:t>
+              <a:t>Fx</a:t>
             </a:r>
             <a:r>
               <a:rPr lang="en-US" dirty="0"/>
-              <a:t> dungeon</a:t>
-            </a:r>
-          </a:p>
-          <a:p>
-            <a:r>
-              <a:rPr lang="en-US" dirty="0"/>
-              <a:t>Gems Ultimate Pack </a:t>
+              <a:t> </a:t>
             </a:r>
             <a:r>
               <a:rPr lang="en-US" sz="2000" dirty="0">
                 <a:hlinkClick r:id="rId4"/>
               </a:rPr>
-              <a:t>https://assetstore.unity.com/packages/3d/props/simple-gems-ultimate-animated-customizable-pack-73764</a:t>
+              <a:t>https://assetstore.unity.com/packages/vfx/particles/war-fx-5669</a:t>
             </a:r>
             <a:endParaRPr lang="en-US" sz="2000" dirty="0"/>
           </a:p>
           <a:p>
             <a:r>
               <a:rPr lang="en-US" dirty="0"/>
-              <a:t>Wooden Products</a:t>
-            </a:r>
+              <a:t>FPS Grenade </a:t>
+            </a:r>
+            <a:r>
+              <a:rPr lang="en-US" sz="2000" dirty="0">
+                <a:hlinkClick r:id="rId5"/>
+              </a:rPr>
+              <a:t>https://assetstore.unity.com/packages/3d/fps-grenade-model-textures-63667</a:t>
+            </a:r>
+            <a:endParaRPr lang="en-US" sz="2000" dirty="0"/>
+          </a:p>
+          <a:p>
+            <a:r>
+              <a:rPr lang="en-US" dirty="0" err="1"/>
+              <a:t>AllSky</a:t>
+            </a:r>
+            <a:r>
+              <a:rPr lang="en-US" dirty="0"/>
+              <a:t> Free - 10 Sky / Skybox Set </a:t>
+            </a:r>
+            <a:r>
+              <a:rPr lang="en-US" sz="2000" dirty="0">
+                <a:hlinkClick r:id="rId6"/>
+              </a:rPr>
+              <a:t>https://assetstore.unity.com/packages/2d/textures-materials/sky/allsky-free-10-sky-skybox-set-146014</a:t>
+            </a:r>
+            <a:endParaRPr lang="en-US" sz="2000" dirty="0"/>
+          </a:p>
+          <a:p>
+            <a:r>
+              <a:rPr lang="en-US" dirty="0"/>
+              <a:t>Dream Forest Tree </a:t>
+            </a:r>
+            <a:r>
+              <a:rPr lang="en-US" sz="2000" dirty="0">
+                <a:hlinkClick r:id="rId7"/>
+              </a:rPr>
+              <a:t>https://assetstore.unity.com/packages/3d/vegetation/trees/dream-forest-tree-105297</a:t>
+            </a:r>
+            <a:endParaRPr lang="en-US" sz="2000" dirty="0"/>
+          </a:p>
+          <a:p>
+            <a:endParaRPr lang="en-US" sz="2000" dirty="0"/>
           </a:p>
           <a:p>
             <a:endParaRPr lang="en-US" sz="2000" dirty="0"/>
@@ -5463,7 +5497,7 @@
     </p:spTree>
     <p:extLst>
       <p:ext uri="{BB962C8B-B14F-4D97-AF65-F5344CB8AC3E}">
-        <p14:creationId xmlns:p14="http://schemas.microsoft.com/office/powerpoint/2010/main" val="2072016061"/>
+        <p14:creationId xmlns:p14="http://schemas.microsoft.com/office/powerpoint/2010/main" val="2900100263"/>
       </p:ext>
     </p:extLst>
   </p:cSld>
@@ -5563,94 +5597,80 @@
           <a:p>
             <a:r>
               <a:rPr lang="en-US" dirty="0"/>
-              <a:t>Sci-Fi Weapons </a:t>
+              <a:t>Grass Flowers Pack Free </a:t>
             </a:r>
             <a:r>
               <a:rPr lang="en-US" sz="2000" dirty="0">
                 <a:hlinkClick r:id="rId2"/>
               </a:rPr>
-              <a:t>https://devassets.com/assets/sci-fi-weapons/</a:t>
+              <a:t>https://assetstore.unity.com/packages/2d/textures-materials/nature/grass-flowers-pack-free-138810</a:t>
             </a:r>
             <a:endParaRPr lang="en-US" sz="2000" dirty="0"/>
           </a:p>
           <a:p>
             <a:r>
               <a:rPr lang="en-US" dirty="0"/>
-              <a:t>Unity Particle Pack </a:t>
+              <a:t>Rocks </a:t>
             </a:r>
             <a:r>
               <a:rPr lang="en-US" sz="2000" dirty="0">
                 <a:hlinkClick r:id="rId3"/>
               </a:rPr>
-              <a:t>https://assetstore.unity.com/packages/essentials/asset-packs/unity-particle-pack-5-x-73777</a:t>
+              <a:t>https://assetstore.unity.com/packages/3d/props/exterior/rocks-604</a:t>
             </a:r>
             <a:endParaRPr lang="en-US" sz="2000" dirty="0"/>
           </a:p>
           <a:p>
             <a:r>
               <a:rPr lang="en-US" dirty="0"/>
-              <a:t>War </a:t>
+              <a:t>Stylized </a:t>
             </a:r>
             <a:r>
               <a:rPr lang="en-US" dirty="0" err="1"/>
-              <a:t>Fx</a:t>
+              <a:t>Handpainted</a:t>
             </a:r>
             <a:r>
               <a:rPr lang="en-US" dirty="0"/>
-              <a:t> </a:t>
+              <a:t> dungeon </a:t>
             </a:r>
             <a:r>
               <a:rPr lang="en-US" sz="2000" dirty="0">
                 <a:hlinkClick r:id="rId4"/>
               </a:rPr>
-              <a:t>https://assetstore.unity.com/packages/vfx/particles/war-fx-5669</a:t>
+              <a:t>https://assetstore.unity.com/packages/3d/environments/stylized-hand-painted-dungeon-free-173934</a:t>
             </a:r>
             <a:endParaRPr lang="en-US" sz="2000" dirty="0"/>
           </a:p>
           <a:p>
             <a:r>
               <a:rPr lang="en-US" dirty="0"/>
-              <a:t>FPS Grenade </a:t>
+              <a:t>Gems Ultimate Pack </a:t>
             </a:r>
             <a:r>
               <a:rPr lang="en-US" sz="2000" dirty="0">
                 <a:hlinkClick r:id="rId5"/>
               </a:rPr>
-              <a:t>https://assetstore.unity.com/packages/3d/fps-grenade-model-textures-63667</a:t>
+              <a:t>https://assetstore.unity.com/packages/3d/props/simple-gems-ultimate-animated-customizable-pack-73764</a:t>
             </a:r>
             <a:endParaRPr lang="en-US" sz="2000" dirty="0"/>
           </a:p>
           <a:p>
             <a:r>
-              <a:rPr lang="en-US" dirty="0" err="1"/>
-              <a:t>AllSky</a:t>
-            </a:r>
-            <a:r>
               <a:rPr lang="en-US" dirty="0"/>
-              <a:t> Free - 10 Sky / Skybox Set </a:t>
+              <a:t>Wood Products </a:t>
             </a:r>
             <a:r>
               <a:rPr lang="en-US" sz="2000" dirty="0">
                 <a:hlinkClick r:id="rId6"/>
               </a:rPr>
-              <a:t>https://assetstore.unity.com/packages/2d/textures-materials/sky/allsky-free-10-sky-skybox-set-146014</a:t>
-            </a:r>
-            <a:endParaRPr lang="en-US" sz="2000" dirty="0"/>
-          </a:p>
-          <a:p>
-            <a:r>
-              <a:rPr lang="en-US" dirty="0"/>
-              <a:t>Dream Forest Tree </a:t>
-            </a:r>
-            <a:r>
-              <a:rPr lang="en-US" sz="2000" dirty="0">
-                <a:hlinkClick r:id="rId7"/>
+              <a:t>https://assetstore.unity.com/packages/3d/characters</a:t>
+            </a:r>
+            <a:r>
+              <a:rPr lang="en-US" sz="2000">
+                <a:hlinkClick r:id="rId6"/>
               </a:rPr>
-              <a:t>https://assetstore.unity.com/packages/3d/vegetation/trees/dream-forest-tree-105297</a:t>
-            </a:r>
-            <a:endParaRPr lang="en-US" sz="2000" dirty="0"/>
-          </a:p>
-          <a:p>
+              <a:t>/wood-products-80094</a:t>
+            </a:r>
             <a:endParaRPr lang="en-US" sz="2000" dirty="0"/>
           </a:p>
           <a:p>
@@ -5673,7 +5693,7 @@
     </p:spTree>
     <p:extLst>
       <p:ext uri="{BB962C8B-B14F-4D97-AF65-F5344CB8AC3E}">
-        <p14:creationId xmlns:p14="http://schemas.microsoft.com/office/powerpoint/2010/main" val="2900100263"/>
+        <p14:creationId xmlns:p14="http://schemas.microsoft.com/office/powerpoint/2010/main" val="2072016061"/>
       </p:ext>
     </p:extLst>
   </p:cSld>
